--- a/SVM/SVM result.pptx
+++ b/SVM/SVM result.pptx
@@ -202,7 +202,7 @@
           <a:p>
             <a:fld id="{75925159-9BE7-41FD-BD55-FD2BF94EE08D}" type="datetimeFigureOut">
               <a:rPr lang="en-US" smtClean="0"/>
-              <a:t>16-May-22</a:t>
+              <a:t>17-May-22</a:t>
             </a:fld>
             <a:endParaRPr lang="en-US"/>
           </a:p>
@@ -646,13 +646,8 @@
           <a:p>
             <a:r>
               <a:rPr lang="en-US" dirty="0"/>
-              <a:t>(add </a:t>
-            </a:r>
-            <a:r>
-              <a:rPr lang="en-US"/>
-              <a:t>VIP from Leonard)</a:t>
-            </a:r>
-            <a:endParaRPr lang="en-US" dirty="0"/>
+              <a:t>(add VIP from Leonard)</a:t>
+            </a:r>
           </a:p>
         </p:txBody>
       </p:sp>
@@ -839,7 +834,7 @@
           <a:p>
             <a:fld id="{B4D583F2-624A-4019-AD7B-8C723B971063}" type="datetimeFigureOut">
               <a:rPr lang="en-US" smtClean="0"/>
-              <a:t>16-May-22</a:t>
+              <a:t>17-May-22</a:t>
             </a:fld>
             <a:endParaRPr lang="en-US"/>
           </a:p>
@@ -1037,7 +1032,7 @@
           <a:p>
             <a:fld id="{B4D583F2-624A-4019-AD7B-8C723B971063}" type="datetimeFigureOut">
               <a:rPr lang="en-US" smtClean="0"/>
-              <a:t>16-May-22</a:t>
+              <a:t>17-May-22</a:t>
             </a:fld>
             <a:endParaRPr lang="en-US"/>
           </a:p>
@@ -1245,7 +1240,7 @@
           <a:p>
             <a:fld id="{B4D583F2-624A-4019-AD7B-8C723B971063}" type="datetimeFigureOut">
               <a:rPr lang="en-US" smtClean="0"/>
-              <a:t>16-May-22</a:t>
+              <a:t>17-May-22</a:t>
             </a:fld>
             <a:endParaRPr lang="en-US"/>
           </a:p>
@@ -1443,7 +1438,7 @@
           <a:p>
             <a:fld id="{B4D583F2-624A-4019-AD7B-8C723B971063}" type="datetimeFigureOut">
               <a:rPr lang="en-US" smtClean="0"/>
-              <a:t>16-May-22</a:t>
+              <a:t>17-May-22</a:t>
             </a:fld>
             <a:endParaRPr lang="en-US"/>
           </a:p>
@@ -1718,7 +1713,7 @@
           <a:p>
             <a:fld id="{B4D583F2-624A-4019-AD7B-8C723B971063}" type="datetimeFigureOut">
               <a:rPr lang="en-US" smtClean="0"/>
-              <a:t>16-May-22</a:t>
+              <a:t>17-May-22</a:t>
             </a:fld>
             <a:endParaRPr lang="en-US"/>
           </a:p>
@@ -1983,7 +1978,7 @@
           <a:p>
             <a:fld id="{B4D583F2-624A-4019-AD7B-8C723B971063}" type="datetimeFigureOut">
               <a:rPr lang="en-US" smtClean="0"/>
-              <a:t>16-May-22</a:t>
+              <a:t>17-May-22</a:t>
             </a:fld>
             <a:endParaRPr lang="en-US"/>
           </a:p>
@@ -2395,7 +2390,7 @@
           <a:p>
             <a:fld id="{B4D583F2-624A-4019-AD7B-8C723B971063}" type="datetimeFigureOut">
               <a:rPr lang="en-US" smtClean="0"/>
-              <a:t>16-May-22</a:t>
+              <a:t>17-May-22</a:t>
             </a:fld>
             <a:endParaRPr lang="en-US"/>
           </a:p>
@@ -2536,7 +2531,7 @@
           <a:p>
             <a:fld id="{B4D583F2-624A-4019-AD7B-8C723B971063}" type="datetimeFigureOut">
               <a:rPr lang="en-US" smtClean="0"/>
-              <a:t>16-May-22</a:t>
+              <a:t>17-May-22</a:t>
             </a:fld>
             <a:endParaRPr lang="en-US"/>
           </a:p>
@@ -2649,7 +2644,7 @@
           <a:p>
             <a:fld id="{B4D583F2-624A-4019-AD7B-8C723B971063}" type="datetimeFigureOut">
               <a:rPr lang="en-US" smtClean="0"/>
-              <a:t>16-May-22</a:t>
+              <a:t>17-May-22</a:t>
             </a:fld>
             <a:endParaRPr lang="en-US"/>
           </a:p>
@@ -2960,7 +2955,7 @@
           <a:p>
             <a:fld id="{B4D583F2-624A-4019-AD7B-8C723B971063}" type="datetimeFigureOut">
               <a:rPr lang="en-US" smtClean="0"/>
-              <a:t>16-May-22</a:t>
+              <a:t>17-May-22</a:t>
             </a:fld>
             <a:endParaRPr lang="en-US"/>
           </a:p>
@@ -3248,7 +3243,7 @@
           <a:p>
             <a:fld id="{B4D583F2-624A-4019-AD7B-8C723B971063}" type="datetimeFigureOut">
               <a:rPr lang="en-US" smtClean="0"/>
-              <a:t>16-May-22</a:t>
+              <a:t>17-May-22</a:t>
             </a:fld>
             <a:endParaRPr lang="en-US"/>
           </a:p>
@@ -3489,7 +3484,7 @@
           <a:p>
             <a:fld id="{B4D583F2-624A-4019-AD7B-8C723B971063}" type="datetimeFigureOut">
               <a:rPr lang="en-US" smtClean="0"/>
-              <a:t>16-May-22</a:t>
+              <a:t>17-May-22</a:t>
             </a:fld>
             <a:endParaRPr lang="en-US"/>
           </a:p>

--- a/SVM/SVM result.pptx
+++ b/SVM/SVM result.pptx
@@ -5,15 +5,16 @@
     <p:sldMasterId id="2147483648" r:id="rId1"/>
   </p:sldMasterIdLst>
   <p:notesMasterIdLst>
-    <p:notesMasterId r:id="rId8"/>
+    <p:notesMasterId r:id="rId9"/>
   </p:notesMasterIdLst>
   <p:sldIdLst>
     <p:sldId id="256" r:id="rId2"/>
-    <p:sldId id="260" r:id="rId3"/>
+    <p:sldId id="263" r:id="rId3"/>
     <p:sldId id="261" r:id="rId4"/>
     <p:sldId id="262" r:id="rId5"/>
-    <p:sldId id="258" r:id="rId6"/>
-    <p:sldId id="257" r:id="rId7"/>
+    <p:sldId id="260" r:id="rId6"/>
+    <p:sldId id="258" r:id="rId7"/>
+    <p:sldId id="257" r:id="rId8"/>
   </p:sldIdLst>
   <p:sldSz cx="12192000" cy="6858000"/>
   <p:notesSz cx="6858000" cy="9144000"/>
@@ -553,6 +554,9 @@
           <a:p>
             <a:endParaRPr lang="en-US" dirty="0"/>
           </a:p>
+          <a:p>
+            <a:endParaRPr lang="en-US" dirty="0"/>
+          </a:p>
         </p:txBody>
       </p:sp>
       <p:sp>
@@ -581,7 +585,7 @@
     </p:spTree>
     <p:extLst>
       <p:ext uri="{BB962C8B-B14F-4D97-AF65-F5344CB8AC3E}">
-        <p14:creationId xmlns:p14="http://schemas.microsoft.com/office/powerpoint/2010/main" val="3984806135"/>
+        <p14:creationId xmlns:p14="http://schemas.microsoft.com/office/powerpoint/2010/main" val="3655810275"/>
       </p:ext>
     </p:extLst>
   </p:cSld>
@@ -678,6 +682,90 @@
     <p:extLst>
       <p:ext uri="{BB962C8B-B14F-4D97-AF65-F5344CB8AC3E}">
         <p14:creationId xmlns:p14="http://schemas.microsoft.com/office/powerpoint/2010/main" val="759947966"/>
+      </p:ext>
+    </p:extLst>
+  </p:cSld>
+  <p:clrMapOvr>
+    <a:masterClrMapping/>
+  </p:clrMapOvr>
+</p:notes>
+</file>
+
+<file path=ppt/notesSlides/notesSlide3.xml><?xml version="1.0" encoding="utf-8"?>
+<p:notes xmlns:a="http://schemas.openxmlformats.org/drawingml/2006/main" xmlns:r="http://schemas.openxmlformats.org/officeDocument/2006/relationships" xmlns:p="http://schemas.openxmlformats.org/presentationml/2006/main">
+  <p:cSld>
+    <p:spTree>
+      <p:nvGrpSpPr>
+        <p:cNvPr id="1" name=""/>
+        <p:cNvGrpSpPr/>
+        <p:nvPr/>
+      </p:nvGrpSpPr>
+      <p:grpSpPr>
+        <a:xfrm>
+          <a:off x="0" y="0"/>
+          <a:ext cx="0" cy="0"/>
+          <a:chOff x="0" y="0"/>
+          <a:chExt cx="0" cy="0"/>
+        </a:xfrm>
+      </p:grpSpPr>
+      <p:sp>
+        <p:nvSpPr>
+          <p:cNvPr id="2" name="Slide Image Placeholder 1"/>
+          <p:cNvSpPr>
+            <a:spLocks noGrp="1" noRot="1" noChangeAspect="1"/>
+          </p:cNvSpPr>
+          <p:nvPr>
+            <p:ph type="sldImg"/>
+          </p:nvPr>
+        </p:nvSpPr>
+        <p:spPr/>
+      </p:sp>
+      <p:sp>
+        <p:nvSpPr>
+          <p:cNvPr id="3" name="Notes Placeholder 2"/>
+          <p:cNvSpPr>
+            <a:spLocks noGrp="1"/>
+          </p:cNvSpPr>
+          <p:nvPr>
+            <p:ph type="body" idx="1"/>
+          </p:nvPr>
+        </p:nvSpPr>
+        <p:spPr/>
+        <p:txBody>
+          <a:bodyPr/>
+          <a:lstStyle/>
+          <a:p>
+            <a:endParaRPr lang="en-US" dirty="0"/>
+          </a:p>
+        </p:txBody>
+      </p:sp>
+      <p:sp>
+        <p:nvSpPr>
+          <p:cNvPr id="4" name="Slide Number Placeholder 3"/>
+          <p:cNvSpPr>
+            <a:spLocks noGrp="1"/>
+          </p:cNvSpPr>
+          <p:nvPr>
+            <p:ph type="sldNum" sz="quarter" idx="5"/>
+          </p:nvPr>
+        </p:nvSpPr>
+        <p:spPr/>
+        <p:txBody>
+          <a:bodyPr/>
+          <a:lstStyle/>
+          <a:p>
+            <a:fld id="{FF258FC6-BAF1-40D8-969A-3B41F6174194}" type="slidenum">
+              <a:rPr lang="en-US" smtClean="0"/>
+              <a:t>5</a:t>
+            </a:fld>
+            <a:endParaRPr lang="en-US"/>
+          </a:p>
+        </p:txBody>
+      </p:sp>
+    </p:spTree>
+    <p:extLst>
+      <p:ext uri="{BB962C8B-B14F-4D97-AF65-F5344CB8AC3E}">
+        <p14:creationId xmlns:p14="http://schemas.microsoft.com/office/powerpoint/2010/main" val="3984806135"/>
       </p:ext>
     </p:extLst>
   </p:cSld>
@@ -3986,6 +4074,1273 @@
       </p:grpSpPr>
       <p:sp>
         <p:nvSpPr>
+          <p:cNvPr id="4" name="TextBox 3">
+            <a:extLst>
+              <a:ext uri="{FF2B5EF4-FFF2-40B4-BE49-F238E27FC236}">
+                <a16:creationId xmlns:a16="http://schemas.microsoft.com/office/drawing/2014/main" id="{26A3BF35-5FDD-5FED-D68B-A7B764C25F74}"/>
+              </a:ext>
+            </a:extLst>
+          </p:cNvPr>
+          <p:cNvSpPr txBox="1"/>
+          <p:nvPr/>
+        </p:nvSpPr>
+        <p:spPr>
+          <a:xfrm>
+            <a:off x="904271" y="249811"/>
+            <a:ext cx="4235327" cy="461665"/>
+          </a:xfrm>
+          <a:prstGeom prst="rect">
+            <a:avLst/>
+          </a:prstGeom>
+          <a:noFill/>
+        </p:spPr>
+        <p:txBody>
+          <a:bodyPr wrap="none" rtlCol="0">
+            <a:spAutoFit/>
+          </a:bodyPr>
+          <a:lstStyle/>
+          <a:p>
+            <a:pPr algn="ctr"/>
+            <a:r>
+              <a:rPr lang="en-AU" sz="2400" b="1" dirty="0">
+                <a:solidFill>
+                  <a:srgbClr val="FF9966"/>
+                </a:solidFill>
+              </a:rPr>
+              <a:t>SVM Experiments Methodology</a:t>
+            </a:r>
+          </a:p>
+        </p:txBody>
+      </p:sp>
+      <p:sp>
+        <p:nvSpPr>
+          <p:cNvPr id="5" name="TextBox 4">
+            <a:extLst>
+              <a:ext uri="{FF2B5EF4-FFF2-40B4-BE49-F238E27FC236}">
+                <a16:creationId xmlns:a16="http://schemas.microsoft.com/office/drawing/2014/main" id="{AB6E9F99-CCF7-1818-FF74-8E9D73B98BA8}"/>
+              </a:ext>
+            </a:extLst>
+          </p:cNvPr>
+          <p:cNvSpPr txBox="1"/>
+          <p:nvPr/>
+        </p:nvSpPr>
+        <p:spPr>
+          <a:xfrm>
+            <a:off x="5398196" y="682641"/>
+            <a:ext cx="1395609" cy="369332"/>
+          </a:xfrm>
+          <a:prstGeom prst="rect">
+            <a:avLst/>
+          </a:prstGeom>
+          <a:noFill/>
+          <a:ln w="19050">
+            <a:solidFill>
+              <a:schemeClr val="accent1"/>
+            </a:solidFill>
+          </a:ln>
+        </p:spPr>
+        <p:txBody>
+          <a:bodyPr wrap="square">
+            <a:spAutoFit/>
+          </a:bodyPr>
+          <a:lstStyle/>
+          <a:p>
+            <a:pPr algn="ctr"/>
+            <a:r>
+              <a:rPr lang="en-AU" dirty="0"/>
+              <a:t>Dataset</a:t>
+            </a:r>
+          </a:p>
+        </p:txBody>
+      </p:sp>
+      <p:grpSp>
+        <p:nvGrpSpPr>
+          <p:cNvPr id="6" name="Group 5">
+            <a:extLst>
+              <a:ext uri="{FF2B5EF4-FFF2-40B4-BE49-F238E27FC236}">
+                <a16:creationId xmlns:a16="http://schemas.microsoft.com/office/drawing/2014/main" id="{4E0A5669-BB50-0F98-3192-19B51D6201C4}"/>
+              </a:ext>
+            </a:extLst>
+          </p:cNvPr>
+          <p:cNvGrpSpPr/>
+          <p:nvPr/>
+        </p:nvGrpSpPr>
+        <p:grpSpPr>
+          <a:xfrm>
+            <a:off x="1714991" y="1549454"/>
+            <a:ext cx="8640000" cy="1949921"/>
+            <a:chOff x="1521035" y="1507414"/>
+            <a:chExt cx="8640000" cy="1949921"/>
+          </a:xfrm>
+        </p:grpSpPr>
+        <p:sp>
+          <p:nvSpPr>
+            <p:cNvPr id="7" name="Rectangle 6">
+              <a:extLst>
+                <a:ext uri="{FF2B5EF4-FFF2-40B4-BE49-F238E27FC236}">
+                  <a16:creationId xmlns:a16="http://schemas.microsoft.com/office/drawing/2014/main" id="{5015E1AE-7C22-A108-CEC4-17A9A866B37C}"/>
+                </a:ext>
+              </a:extLst>
+            </p:cNvPr>
+            <p:cNvSpPr/>
+            <p:nvPr/>
+          </p:nvSpPr>
+          <p:spPr>
+            <a:xfrm>
+              <a:off x="1521035" y="1507414"/>
+              <a:ext cx="8640000" cy="1929783"/>
+            </a:xfrm>
+            <a:prstGeom prst="rect">
+              <a:avLst/>
+            </a:prstGeom>
+            <a:noFill/>
+            <a:ln w="19050"/>
+          </p:spPr>
+          <p:style>
+            <a:lnRef idx="2">
+              <a:schemeClr val="accent1">
+                <a:shade val="50000"/>
+              </a:schemeClr>
+            </a:lnRef>
+            <a:fillRef idx="1">
+              <a:schemeClr val="accent1"/>
+            </a:fillRef>
+            <a:effectRef idx="0">
+              <a:schemeClr val="accent1"/>
+            </a:effectRef>
+            <a:fontRef idx="minor">
+              <a:schemeClr val="lt1"/>
+            </a:fontRef>
+          </p:style>
+          <p:txBody>
+            <a:bodyPr rtlCol="0" anchor="ctr"/>
+            <a:lstStyle/>
+            <a:p>
+              <a:pPr algn="ctr"/>
+              <a:endParaRPr lang="en-AU"/>
+            </a:p>
+          </p:txBody>
+        </p:sp>
+        <p:sp>
+          <p:nvSpPr>
+            <p:cNvPr id="8" name="TextBox 7">
+              <a:extLst>
+                <a:ext uri="{FF2B5EF4-FFF2-40B4-BE49-F238E27FC236}">
+                  <a16:creationId xmlns:a16="http://schemas.microsoft.com/office/drawing/2014/main" id="{985E31A1-35F9-E3BB-9ABC-F6F7B1059128}"/>
+                </a:ext>
+              </a:extLst>
+            </p:cNvPr>
+            <p:cNvSpPr txBox="1"/>
+            <p:nvPr/>
+          </p:nvSpPr>
+          <p:spPr>
+            <a:xfrm>
+              <a:off x="2567709" y="1920045"/>
+              <a:ext cx="3501377" cy="369332"/>
+            </a:xfrm>
+            <a:prstGeom prst="rect">
+              <a:avLst/>
+            </a:prstGeom>
+            <a:noFill/>
+          </p:spPr>
+          <p:txBody>
+            <a:bodyPr wrap="square">
+              <a:spAutoFit/>
+            </a:bodyPr>
+            <a:lstStyle/>
+            <a:p>
+              <a:r>
+                <a:rPr lang="en-AU" dirty="0"/>
+                <a:t>1. To balance class</a:t>
+              </a:r>
+            </a:p>
+          </p:txBody>
+        </p:sp>
+        <p:sp>
+          <p:nvSpPr>
+            <p:cNvPr id="9" name="TextBox 8">
+              <a:extLst>
+                <a:ext uri="{FF2B5EF4-FFF2-40B4-BE49-F238E27FC236}">
+                  <a16:creationId xmlns:a16="http://schemas.microsoft.com/office/drawing/2014/main" id="{21F1293F-3667-D00C-10E3-ECF07CE92C64}"/>
+                </a:ext>
+              </a:extLst>
+            </p:cNvPr>
+            <p:cNvSpPr txBox="1"/>
+            <p:nvPr/>
+          </p:nvSpPr>
+          <p:spPr>
+            <a:xfrm>
+              <a:off x="2613889" y="2257006"/>
+              <a:ext cx="2730892" cy="1200329"/>
+            </a:xfrm>
+            <a:prstGeom prst="rect">
+              <a:avLst/>
+            </a:prstGeom>
+            <a:noFill/>
+          </p:spPr>
+          <p:txBody>
+            <a:bodyPr wrap="square" rtlCol="0">
+              <a:spAutoFit/>
+            </a:bodyPr>
+            <a:lstStyle/>
+            <a:p>
+              <a:pPr marL="285750" indent="-285750">
+                <a:buFont typeface="Arial" panose="020B0604020202020204" pitchFamily="34" charset="0"/>
+                <a:buChar char="•"/>
+              </a:pPr>
+              <a:r>
+                <a:rPr lang="en-AU" dirty="0"/>
+                <a:t>Raw data</a:t>
+              </a:r>
+            </a:p>
+            <a:p>
+              <a:pPr marL="285750" indent="-285750">
+                <a:buFont typeface="Arial" panose="020B0604020202020204" pitchFamily="34" charset="0"/>
+                <a:buChar char="•"/>
+              </a:pPr>
+              <a:r>
+                <a:rPr lang="en-AU" dirty="0"/>
+                <a:t>Down sampled data</a:t>
+              </a:r>
+            </a:p>
+            <a:p>
+              <a:pPr marL="285750" indent="-285750">
+                <a:buFont typeface="Arial" panose="020B0604020202020204" pitchFamily="34" charset="0"/>
+                <a:buChar char="•"/>
+              </a:pPr>
+              <a:r>
+                <a:rPr lang="en-AU" dirty="0"/>
+                <a:t>Repeat balanced data </a:t>
+              </a:r>
+            </a:p>
+            <a:p>
+              <a:pPr marL="285750" indent="-285750">
+                <a:buFont typeface="Arial" panose="020B0604020202020204" pitchFamily="34" charset="0"/>
+                <a:buChar char="•"/>
+              </a:pPr>
+              <a:r>
+                <a:rPr lang="en-AU" b="1" dirty="0">
+                  <a:solidFill>
+                    <a:srgbClr val="C00000"/>
+                  </a:solidFill>
+                </a:rPr>
+                <a:t>Smote balanced data</a:t>
+              </a:r>
+            </a:p>
+          </p:txBody>
+        </p:sp>
+        <p:sp>
+          <p:nvSpPr>
+            <p:cNvPr id="10" name="Rectangle 9">
+              <a:extLst>
+                <a:ext uri="{FF2B5EF4-FFF2-40B4-BE49-F238E27FC236}">
+                  <a16:creationId xmlns:a16="http://schemas.microsoft.com/office/drawing/2014/main" id="{7F74F8DA-E610-67AC-F749-0F859CDF6D17}"/>
+                </a:ext>
+              </a:extLst>
+            </p:cNvPr>
+            <p:cNvSpPr/>
+            <p:nvPr/>
+          </p:nvSpPr>
+          <p:spPr>
+            <a:xfrm>
+              <a:off x="2472375" y="1961980"/>
+              <a:ext cx="3099496" cy="1440000"/>
+            </a:xfrm>
+            <a:prstGeom prst="rect">
+              <a:avLst/>
+            </a:prstGeom>
+            <a:noFill/>
+            <a:ln w="19050"/>
+          </p:spPr>
+          <p:style>
+            <a:lnRef idx="2">
+              <a:schemeClr val="accent1">
+                <a:shade val="50000"/>
+              </a:schemeClr>
+            </a:lnRef>
+            <a:fillRef idx="1">
+              <a:schemeClr val="accent1"/>
+            </a:fillRef>
+            <a:effectRef idx="0">
+              <a:schemeClr val="accent1"/>
+            </a:effectRef>
+            <a:fontRef idx="minor">
+              <a:schemeClr val="lt1"/>
+            </a:fontRef>
+          </p:style>
+          <p:txBody>
+            <a:bodyPr rtlCol="0" anchor="ctr"/>
+            <a:lstStyle/>
+            <a:p>
+              <a:pPr algn="ctr"/>
+              <a:endParaRPr lang="en-AU"/>
+            </a:p>
+          </p:txBody>
+        </p:sp>
+        <p:sp>
+          <p:nvSpPr>
+            <p:cNvPr id="14" name="Rectangle 13">
+              <a:extLst>
+                <a:ext uri="{FF2B5EF4-FFF2-40B4-BE49-F238E27FC236}">
+                  <a16:creationId xmlns:a16="http://schemas.microsoft.com/office/drawing/2014/main" id="{5E8831E9-3EFC-4148-F0F3-5D6FB2BDC399}"/>
+                </a:ext>
+              </a:extLst>
+            </p:cNvPr>
+            <p:cNvSpPr/>
+            <p:nvPr/>
+          </p:nvSpPr>
+          <p:spPr>
+            <a:xfrm>
+              <a:off x="6265983" y="1961980"/>
+              <a:ext cx="2592000" cy="1440000"/>
+            </a:xfrm>
+            <a:prstGeom prst="rect">
+              <a:avLst/>
+            </a:prstGeom>
+            <a:noFill/>
+            <a:ln w="19050"/>
+          </p:spPr>
+          <p:style>
+            <a:lnRef idx="2">
+              <a:schemeClr val="accent1">
+                <a:shade val="50000"/>
+              </a:schemeClr>
+            </a:lnRef>
+            <a:fillRef idx="1">
+              <a:schemeClr val="accent1"/>
+            </a:fillRef>
+            <a:effectRef idx="0">
+              <a:schemeClr val="accent1"/>
+            </a:effectRef>
+            <a:fontRef idx="minor">
+              <a:schemeClr val="lt1"/>
+            </a:fontRef>
+          </p:style>
+          <p:txBody>
+            <a:bodyPr rtlCol="0" anchor="ctr"/>
+            <a:lstStyle/>
+            <a:p>
+              <a:pPr algn="ctr"/>
+              <a:endParaRPr lang="en-AU"/>
+            </a:p>
+          </p:txBody>
+        </p:sp>
+        <p:sp>
+          <p:nvSpPr>
+            <p:cNvPr id="15" name="TextBox 14">
+              <a:extLst>
+                <a:ext uri="{FF2B5EF4-FFF2-40B4-BE49-F238E27FC236}">
+                  <a16:creationId xmlns:a16="http://schemas.microsoft.com/office/drawing/2014/main" id="{D5C5A84D-A689-F9BC-3217-CA375030792C}"/>
+                </a:ext>
+              </a:extLst>
+            </p:cNvPr>
+            <p:cNvSpPr txBox="1"/>
+            <p:nvPr/>
+          </p:nvSpPr>
+          <p:spPr>
+            <a:xfrm>
+              <a:off x="6626494" y="1920045"/>
+              <a:ext cx="1799210" cy="369332"/>
+            </a:xfrm>
+            <a:prstGeom prst="rect">
+              <a:avLst/>
+            </a:prstGeom>
+            <a:noFill/>
+          </p:spPr>
+          <p:txBody>
+            <a:bodyPr wrap="none" rtlCol="0">
+              <a:spAutoFit/>
+            </a:bodyPr>
+            <a:lstStyle/>
+            <a:p>
+              <a:r>
+                <a:rPr lang="en-AU" dirty="0"/>
+                <a:t>2. Select features</a:t>
+              </a:r>
+            </a:p>
+          </p:txBody>
+        </p:sp>
+        <p:sp>
+          <p:nvSpPr>
+            <p:cNvPr id="16" name="TextBox 15">
+              <a:extLst>
+                <a:ext uri="{FF2B5EF4-FFF2-40B4-BE49-F238E27FC236}">
+                  <a16:creationId xmlns:a16="http://schemas.microsoft.com/office/drawing/2014/main" id="{4CD6C1C8-36AB-B937-C807-5DFBACEE8807}"/>
+                </a:ext>
+              </a:extLst>
+            </p:cNvPr>
+            <p:cNvSpPr txBox="1"/>
+            <p:nvPr/>
+          </p:nvSpPr>
+          <p:spPr>
+            <a:xfrm>
+              <a:off x="6264669" y="2348786"/>
+              <a:ext cx="2617469" cy="646331"/>
+            </a:xfrm>
+            <a:prstGeom prst="rect">
+              <a:avLst/>
+            </a:prstGeom>
+            <a:noFill/>
+          </p:spPr>
+          <p:txBody>
+            <a:bodyPr wrap="square" rtlCol="0">
+              <a:spAutoFit/>
+            </a:bodyPr>
+            <a:lstStyle/>
+            <a:p>
+              <a:pPr marL="285750" indent="-285750">
+                <a:buFont typeface="Arial" panose="020B0604020202020204" pitchFamily="34" charset="0"/>
+                <a:buChar char="•"/>
+              </a:pPr>
+              <a:r>
+                <a:rPr lang="en-AU" b="1" dirty="0">
+                  <a:solidFill>
+                    <a:srgbClr val="C00000"/>
+                  </a:solidFill>
+                </a:rPr>
+                <a:t>All features</a:t>
+              </a:r>
+            </a:p>
+            <a:p>
+              <a:pPr marL="285750" indent="-285750">
+                <a:buFont typeface="Arial" panose="020B0604020202020204" pitchFamily="34" charset="0"/>
+                <a:buChar char="•"/>
+              </a:pPr>
+              <a:r>
+                <a:rPr lang="en-AU" dirty="0"/>
+                <a:t>Lasso selected features</a:t>
+              </a:r>
+            </a:p>
+          </p:txBody>
+        </p:sp>
+        <p:cxnSp>
+          <p:nvCxnSpPr>
+            <p:cNvPr id="18" name="Straight Arrow Connector 17">
+              <a:extLst>
+                <a:ext uri="{FF2B5EF4-FFF2-40B4-BE49-F238E27FC236}">
+                  <a16:creationId xmlns:a16="http://schemas.microsoft.com/office/drawing/2014/main" id="{36E6E7E6-E721-7BE4-CE23-29F71666BA7A}"/>
+                </a:ext>
+              </a:extLst>
+            </p:cNvPr>
+            <p:cNvCxnSpPr>
+              <a:cxnSpLocks/>
+            </p:cNvCxnSpPr>
+            <p:nvPr/>
+          </p:nvCxnSpPr>
+          <p:spPr>
+            <a:xfrm flipV="1">
+              <a:off x="5704044" y="2613400"/>
+              <a:ext cx="396000" cy="0"/>
+            </a:xfrm>
+            <a:prstGeom prst="straightConnector1">
+              <a:avLst/>
+            </a:prstGeom>
+            <a:ln w="19050">
+              <a:tailEnd type="triangle"/>
+            </a:ln>
+          </p:spPr>
+          <p:style>
+            <a:lnRef idx="1">
+              <a:schemeClr val="accent1"/>
+            </a:lnRef>
+            <a:fillRef idx="0">
+              <a:schemeClr val="accent1"/>
+            </a:fillRef>
+            <a:effectRef idx="0">
+              <a:schemeClr val="accent1"/>
+            </a:effectRef>
+            <a:fontRef idx="minor">
+              <a:schemeClr val="tx1"/>
+            </a:fontRef>
+          </p:style>
+        </p:cxnSp>
+        <p:sp>
+          <p:nvSpPr>
+            <p:cNvPr id="19" name="TextBox 18">
+              <a:extLst>
+                <a:ext uri="{FF2B5EF4-FFF2-40B4-BE49-F238E27FC236}">
+                  <a16:creationId xmlns:a16="http://schemas.microsoft.com/office/drawing/2014/main" id="{94F89442-D1EF-D18F-2E10-9CAB0F6FEB57}"/>
+                </a:ext>
+              </a:extLst>
+            </p:cNvPr>
+            <p:cNvSpPr txBox="1"/>
+            <p:nvPr/>
+          </p:nvSpPr>
+          <p:spPr>
+            <a:xfrm>
+              <a:off x="4053170" y="1523809"/>
+              <a:ext cx="4058099" cy="369332"/>
+            </a:xfrm>
+            <a:prstGeom prst="rect">
+              <a:avLst/>
+            </a:prstGeom>
+            <a:noFill/>
+          </p:spPr>
+          <p:txBody>
+            <a:bodyPr wrap="none" rtlCol="0">
+              <a:spAutoFit/>
+            </a:bodyPr>
+            <a:lstStyle/>
+            <a:p>
+              <a:r>
+                <a:rPr lang="en-AU" dirty="0">
+                  <a:solidFill>
+                    <a:srgbClr val="0070C0"/>
+                  </a:solidFill>
+                </a:rPr>
+                <a:t>Select the best training data and function</a:t>
+              </a:r>
+            </a:p>
+          </p:txBody>
+        </p:sp>
+      </p:grpSp>
+      <p:cxnSp>
+        <p:nvCxnSpPr>
+          <p:cNvPr id="20" name="Straight Arrow Connector 19">
+            <a:extLst>
+              <a:ext uri="{FF2B5EF4-FFF2-40B4-BE49-F238E27FC236}">
+                <a16:creationId xmlns:a16="http://schemas.microsoft.com/office/drawing/2014/main" id="{86F03D44-30D8-3087-9C8E-B0EFA9D2130E}"/>
+              </a:ext>
+            </a:extLst>
+          </p:cNvPr>
+          <p:cNvCxnSpPr>
+            <a:cxnSpLocks/>
+          </p:cNvCxnSpPr>
+          <p:nvPr/>
+        </p:nvCxnSpPr>
+        <p:spPr>
+          <a:xfrm flipH="1">
+            <a:off x="6096000" y="1111211"/>
+            <a:ext cx="0" cy="360000"/>
+          </a:xfrm>
+          <a:prstGeom prst="straightConnector1">
+            <a:avLst/>
+          </a:prstGeom>
+          <a:ln w="50800">
+            <a:tailEnd type="triangle"/>
+          </a:ln>
+        </p:spPr>
+        <p:style>
+          <a:lnRef idx="1">
+            <a:schemeClr val="accent1"/>
+          </a:lnRef>
+          <a:fillRef idx="0">
+            <a:schemeClr val="accent1"/>
+          </a:fillRef>
+          <a:effectRef idx="0">
+            <a:schemeClr val="accent1"/>
+          </a:effectRef>
+          <a:fontRef idx="minor">
+            <a:schemeClr val="tx1"/>
+          </a:fontRef>
+        </p:style>
+      </p:cxnSp>
+      <p:cxnSp>
+        <p:nvCxnSpPr>
+          <p:cNvPr id="21" name="Straight Arrow Connector 20">
+            <a:extLst>
+              <a:ext uri="{FF2B5EF4-FFF2-40B4-BE49-F238E27FC236}">
+                <a16:creationId xmlns:a16="http://schemas.microsoft.com/office/drawing/2014/main" id="{3877E853-2DB3-5B89-62F9-616BE42C0814}"/>
+              </a:ext>
+            </a:extLst>
+          </p:cNvPr>
+          <p:cNvCxnSpPr>
+            <a:cxnSpLocks/>
+          </p:cNvCxnSpPr>
+          <p:nvPr/>
+        </p:nvCxnSpPr>
+        <p:spPr>
+          <a:xfrm flipH="1">
+            <a:off x="6096000" y="3547364"/>
+            <a:ext cx="0" cy="360000"/>
+          </a:xfrm>
+          <a:prstGeom prst="straightConnector1">
+            <a:avLst/>
+          </a:prstGeom>
+          <a:ln w="50800">
+            <a:tailEnd type="triangle"/>
+          </a:ln>
+        </p:spPr>
+        <p:style>
+          <a:lnRef idx="1">
+            <a:schemeClr val="accent1"/>
+          </a:lnRef>
+          <a:fillRef idx="0">
+            <a:schemeClr val="accent1"/>
+          </a:fillRef>
+          <a:effectRef idx="0">
+            <a:schemeClr val="accent1"/>
+          </a:effectRef>
+          <a:fontRef idx="minor">
+            <a:schemeClr val="tx1"/>
+          </a:fontRef>
+        </p:style>
+      </p:cxnSp>
+      <p:sp>
+        <p:nvSpPr>
+          <p:cNvPr id="23" name="TextBox 22">
+            <a:extLst>
+              <a:ext uri="{FF2B5EF4-FFF2-40B4-BE49-F238E27FC236}">
+                <a16:creationId xmlns:a16="http://schemas.microsoft.com/office/drawing/2014/main" id="{B4BEC4B9-2E0C-AF02-49D2-558F2EAF3781}"/>
+              </a:ext>
+            </a:extLst>
+          </p:cNvPr>
+          <p:cNvSpPr txBox="1"/>
+          <p:nvPr/>
+        </p:nvSpPr>
+        <p:spPr>
+          <a:xfrm>
+            <a:off x="4211647" y="3940626"/>
+            <a:ext cx="3720773" cy="1200329"/>
+          </a:xfrm>
+          <a:prstGeom prst="rect">
+            <a:avLst/>
+          </a:prstGeom>
+          <a:noFill/>
+          <a:ln w="19050">
+            <a:solidFill>
+              <a:srgbClr val="2F528F"/>
+            </a:solidFill>
+          </a:ln>
+        </p:spPr>
+        <p:txBody>
+          <a:bodyPr wrap="square">
+            <a:spAutoFit/>
+          </a:bodyPr>
+          <a:lstStyle/>
+          <a:p>
+            <a:pPr algn="ctr"/>
+            <a:endParaRPr lang="en-AU" dirty="0">
+              <a:solidFill>
+                <a:srgbClr val="0070C0"/>
+              </a:solidFill>
+            </a:endParaRPr>
+          </a:p>
+          <a:p>
+            <a:pPr algn="ctr"/>
+            <a:endParaRPr lang="en-AU" dirty="0">
+              <a:solidFill>
+                <a:srgbClr val="0070C0"/>
+              </a:solidFill>
+            </a:endParaRPr>
+          </a:p>
+          <a:p>
+            <a:pPr algn="ctr"/>
+            <a:endParaRPr lang="en-AU" dirty="0">
+              <a:solidFill>
+                <a:srgbClr val="0070C0"/>
+              </a:solidFill>
+            </a:endParaRPr>
+          </a:p>
+          <a:p>
+            <a:pPr algn="ctr"/>
+            <a:endParaRPr lang="en-AU" dirty="0">
+              <a:solidFill>
+                <a:srgbClr val="0070C0"/>
+              </a:solidFill>
+            </a:endParaRPr>
+          </a:p>
+        </p:txBody>
+      </p:sp>
+      <p:sp>
+        <p:nvSpPr>
+          <p:cNvPr id="24" name="TextBox 23">
+            <a:extLst>
+              <a:ext uri="{FF2B5EF4-FFF2-40B4-BE49-F238E27FC236}">
+                <a16:creationId xmlns:a16="http://schemas.microsoft.com/office/drawing/2014/main" id="{BC0D207C-87D0-254C-199E-6A79DFAB3319}"/>
+              </a:ext>
+            </a:extLst>
+          </p:cNvPr>
+          <p:cNvSpPr txBox="1"/>
+          <p:nvPr/>
+        </p:nvSpPr>
+        <p:spPr>
+          <a:xfrm>
+            <a:off x="4316185" y="4237205"/>
+            <a:ext cx="3810545" cy="923330"/>
+          </a:xfrm>
+          <a:prstGeom prst="rect">
+            <a:avLst/>
+          </a:prstGeom>
+          <a:noFill/>
+          <a:ln w="19050">
+            <a:noFill/>
+          </a:ln>
+        </p:spPr>
+        <p:txBody>
+          <a:bodyPr wrap="square">
+            <a:spAutoFit/>
+          </a:bodyPr>
+          <a:lstStyle/>
+          <a:p>
+            <a:pPr marL="285750" indent="-285750">
+              <a:buFont typeface="Arial" panose="020B0604020202020204" pitchFamily="34" charset="0"/>
+              <a:buChar char="•"/>
+            </a:pPr>
+            <a:r>
+              <a:rPr lang="en-AU" dirty="0"/>
+              <a:t>Kernel: Radial</a:t>
+            </a:r>
+          </a:p>
+          <a:p>
+            <a:pPr marL="285750" indent="-285750">
+              <a:buFont typeface="Arial" panose="020B0604020202020204" pitchFamily="34" charset="0"/>
+              <a:buChar char="•"/>
+            </a:pPr>
+            <a:r>
+              <a:rPr lang="en-AU" dirty="0"/>
+              <a:t>Gamma: 1</a:t>
+            </a:r>
+          </a:p>
+          <a:p>
+            <a:pPr marL="285750" indent="-285750">
+              <a:buFont typeface="Arial" panose="020B0604020202020204" pitchFamily="34" charset="0"/>
+              <a:buChar char="•"/>
+            </a:pPr>
+            <a:r>
+              <a:rPr lang="en-AU" dirty="0"/>
+              <a:t>C:1</a:t>
+            </a:r>
+          </a:p>
+        </p:txBody>
+      </p:sp>
+      <p:sp>
+        <p:nvSpPr>
+          <p:cNvPr id="25" name="TextBox 24">
+            <a:extLst>
+              <a:ext uri="{FF2B5EF4-FFF2-40B4-BE49-F238E27FC236}">
+                <a16:creationId xmlns:a16="http://schemas.microsoft.com/office/drawing/2014/main" id="{3961704C-DCFB-60F4-A405-653C17BF5836}"/>
+              </a:ext>
+            </a:extLst>
+          </p:cNvPr>
+          <p:cNvSpPr txBox="1"/>
+          <p:nvPr/>
+        </p:nvSpPr>
+        <p:spPr>
+          <a:xfrm>
+            <a:off x="4211646" y="3933057"/>
+            <a:ext cx="3720773" cy="369332"/>
+          </a:xfrm>
+          <a:prstGeom prst="rect">
+            <a:avLst/>
+          </a:prstGeom>
+          <a:noFill/>
+        </p:spPr>
+        <p:txBody>
+          <a:bodyPr wrap="square">
+            <a:spAutoFit/>
+          </a:bodyPr>
+          <a:lstStyle/>
+          <a:p>
+            <a:pPr algn="ctr"/>
+            <a:r>
+              <a:rPr lang="en-AU" dirty="0">
+                <a:solidFill>
+                  <a:srgbClr val="0070C0"/>
+                </a:solidFill>
+              </a:rPr>
+              <a:t>Hyperparameters</a:t>
+            </a:r>
+          </a:p>
+        </p:txBody>
+      </p:sp>
+      <p:cxnSp>
+        <p:nvCxnSpPr>
+          <p:cNvPr id="26" name="Straight Arrow Connector 25">
+            <a:extLst>
+              <a:ext uri="{FF2B5EF4-FFF2-40B4-BE49-F238E27FC236}">
+                <a16:creationId xmlns:a16="http://schemas.microsoft.com/office/drawing/2014/main" id="{F84FBDB0-D17E-14A4-FB38-B81B4C6FA20E}"/>
+              </a:ext>
+            </a:extLst>
+          </p:cNvPr>
+          <p:cNvCxnSpPr>
+            <a:cxnSpLocks/>
+          </p:cNvCxnSpPr>
+          <p:nvPr/>
+        </p:nvCxnSpPr>
+        <p:spPr>
+          <a:xfrm flipH="1">
+            <a:off x="6096000" y="5208652"/>
+            <a:ext cx="0" cy="360000"/>
+          </a:xfrm>
+          <a:prstGeom prst="straightConnector1">
+            <a:avLst/>
+          </a:prstGeom>
+          <a:ln w="50800">
+            <a:tailEnd type="triangle"/>
+          </a:ln>
+        </p:spPr>
+        <p:style>
+          <a:lnRef idx="1">
+            <a:schemeClr val="accent1"/>
+          </a:lnRef>
+          <a:fillRef idx="0">
+            <a:schemeClr val="accent1"/>
+          </a:fillRef>
+          <a:effectRef idx="0">
+            <a:schemeClr val="accent1"/>
+          </a:effectRef>
+          <a:fontRef idx="minor">
+            <a:schemeClr val="tx1"/>
+          </a:fontRef>
+        </p:style>
+      </p:cxnSp>
+      <p:grpSp>
+        <p:nvGrpSpPr>
+          <p:cNvPr id="27" name="Group 26">
+            <a:extLst>
+              <a:ext uri="{FF2B5EF4-FFF2-40B4-BE49-F238E27FC236}">
+                <a16:creationId xmlns:a16="http://schemas.microsoft.com/office/drawing/2014/main" id="{D19CD541-0DAB-6E11-4A05-60B002A9498E}"/>
+              </a:ext>
+            </a:extLst>
+          </p:cNvPr>
+          <p:cNvGrpSpPr/>
+          <p:nvPr/>
+        </p:nvGrpSpPr>
+        <p:grpSpPr>
+          <a:xfrm>
+            <a:off x="3061855" y="5592732"/>
+            <a:ext cx="6096000" cy="360000"/>
+            <a:chOff x="3108036" y="3318944"/>
+            <a:chExt cx="6096000" cy="1332000"/>
+          </a:xfrm>
+        </p:grpSpPr>
+        <p:sp>
+          <p:nvSpPr>
+            <p:cNvPr id="28" name="TextBox 27">
+              <a:extLst>
+                <a:ext uri="{FF2B5EF4-FFF2-40B4-BE49-F238E27FC236}">
+                  <a16:creationId xmlns:a16="http://schemas.microsoft.com/office/drawing/2014/main" id="{DCB604AB-CEF6-CBE4-D5BF-AA1E52694767}"/>
+                </a:ext>
+              </a:extLst>
+            </p:cNvPr>
+            <p:cNvSpPr txBox="1"/>
+            <p:nvPr/>
+          </p:nvSpPr>
+          <p:spPr>
+            <a:xfrm>
+              <a:off x="3676072" y="3318944"/>
+              <a:ext cx="4959928" cy="1332000"/>
+            </a:xfrm>
+            <a:prstGeom prst="rect">
+              <a:avLst/>
+            </a:prstGeom>
+            <a:noFill/>
+            <a:ln w="19050">
+              <a:solidFill>
+                <a:srgbClr val="2F528F"/>
+              </a:solidFill>
+            </a:ln>
+          </p:spPr>
+          <p:txBody>
+            <a:bodyPr wrap="square">
+              <a:spAutoFit/>
+            </a:bodyPr>
+            <a:lstStyle/>
+            <a:p>
+              <a:pPr algn="ctr"/>
+              <a:endParaRPr lang="en-AU" dirty="0">
+                <a:solidFill>
+                  <a:srgbClr val="0070C0"/>
+                </a:solidFill>
+              </a:endParaRPr>
+            </a:p>
+            <a:p>
+              <a:pPr algn="ctr"/>
+              <a:endParaRPr lang="en-AU" dirty="0">
+                <a:solidFill>
+                  <a:srgbClr val="0070C0"/>
+                </a:solidFill>
+              </a:endParaRPr>
+            </a:p>
+            <a:p>
+              <a:pPr algn="ctr"/>
+              <a:endParaRPr lang="en-AU" dirty="0">
+                <a:solidFill>
+                  <a:srgbClr val="0070C0"/>
+                </a:solidFill>
+              </a:endParaRPr>
+            </a:p>
+            <a:p>
+              <a:pPr algn="ctr"/>
+              <a:endParaRPr lang="en-AU" dirty="0">
+                <a:solidFill>
+                  <a:srgbClr val="0070C0"/>
+                </a:solidFill>
+              </a:endParaRPr>
+            </a:p>
+          </p:txBody>
+        </p:sp>
+        <p:sp>
+          <p:nvSpPr>
+            <p:cNvPr id="29" name="TextBox 28">
+              <a:extLst>
+                <a:ext uri="{FF2B5EF4-FFF2-40B4-BE49-F238E27FC236}">
+                  <a16:creationId xmlns:a16="http://schemas.microsoft.com/office/drawing/2014/main" id="{750610AE-0E08-32F8-E8BE-81B52BCDEA74}"/>
+                </a:ext>
+              </a:extLst>
+            </p:cNvPr>
+            <p:cNvSpPr txBox="1"/>
+            <p:nvPr/>
+          </p:nvSpPr>
+          <p:spPr>
+            <a:xfrm>
+              <a:off x="3108036" y="3321889"/>
+              <a:ext cx="6096000" cy="369330"/>
+            </a:xfrm>
+            <a:prstGeom prst="rect">
+              <a:avLst/>
+            </a:prstGeom>
+            <a:noFill/>
+          </p:spPr>
+          <p:txBody>
+            <a:bodyPr wrap="square">
+              <a:spAutoFit/>
+            </a:bodyPr>
+            <a:lstStyle/>
+            <a:p>
+              <a:pPr algn="ctr"/>
+              <a:r>
+                <a:rPr lang="en-AU" dirty="0">
+                  <a:solidFill>
+                    <a:srgbClr val="0070C0"/>
+                  </a:solidFill>
+                </a:rPr>
+                <a:t>Fit model and results interpretation</a:t>
+              </a:r>
+            </a:p>
+          </p:txBody>
+        </p:sp>
+      </p:grpSp>
+    </p:spTree>
+    <p:extLst>
+      <p:ext uri="{BB962C8B-B14F-4D97-AF65-F5344CB8AC3E}">
+        <p14:creationId xmlns:p14="http://schemas.microsoft.com/office/powerpoint/2010/main" val="3058837211"/>
+      </p:ext>
+    </p:extLst>
+  </p:cSld>
+  <p:clrMapOvr>
+    <a:masterClrMapping/>
+  </p:clrMapOvr>
+</p:sld>
+</file>
+
+<file path=ppt/slides/slide3.xml><?xml version="1.0" encoding="utf-8"?>
+<p:sld xmlns:a="http://schemas.openxmlformats.org/drawingml/2006/main" xmlns:r="http://schemas.openxmlformats.org/officeDocument/2006/relationships" xmlns:p="http://schemas.openxmlformats.org/presentationml/2006/main">
+  <p:cSld>
+    <p:spTree>
+      <p:nvGrpSpPr>
+        <p:cNvPr id="1" name=""/>
+        <p:cNvGrpSpPr/>
+        <p:nvPr/>
+      </p:nvGrpSpPr>
+      <p:grpSpPr>
+        <a:xfrm>
+          <a:off x="0" y="0"/>
+          <a:ext cx="0" cy="0"/>
+          <a:chOff x="0" y="0"/>
+          <a:chExt cx="0" cy="0"/>
+        </a:xfrm>
+      </p:grpSpPr>
+      <p:sp>
+        <p:nvSpPr>
+          <p:cNvPr id="4" name="Title 1">
+            <a:extLst>
+              <a:ext uri="{FF2B5EF4-FFF2-40B4-BE49-F238E27FC236}">
+                <a16:creationId xmlns:a16="http://schemas.microsoft.com/office/drawing/2014/main" id="{EC68694A-A86A-40CC-AED0-826F68AD7CC4}"/>
+              </a:ext>
+            </a:extLst>
+          </p:cNvPr>
+          <p:cNvSpPr txBox="1">
+            <a:spLocks/>
+          </p:cNvSpPr>
+          <p:nvPr/>
+        </p:nvSpPr>
+        <p:spPr>
+          <a:xfrm>
+            <a:off x="490924" y="69850"/>
+            <a:ext cx="5932735" cy="1325563"/>
+          </a:xfrm>
+          <a:prstGeom prst="rect">
+            <a:avLst/>
+          </a:prstGeom>
+        </p:spPr>
+        <p:txBody>
+          <a:bodyPr vert="horz" lIns="91440" tIns="45720" rIns="91440" bIns="45720" rtlCol="0" anchor="ctr">
+            <a:normAutofit/>
+          </a:bodyPr>
+          <a:lstStyle>
+            <a:lvl1pPr algn="l" defTabSz="914400" rtl="0" eaLnBrk="1" latinLnBrk="0" hangingPunct="1">
+              <a:lnSpc>
+                <a:spcPct val="90000"/>
+              </a:lnSpc>
+              <a:spcBef>
+                <a:spcPct val="0"/>
+              </a:spcBef>
+              <a:buNone/>
+              <a:defRPr sz="4400" kern="1200">
+                <a:solidFill>
+                  <a:schemeClr val="tx1"/>
+                </a:solidFill>
+                <a:latin typeface="+mj-lt"/>
+                <a:ea typeface="+mj-ea"/>
+                <a:cs typeface="+mj-cs"/>
+              </a:defRPr>
+            </a:lvl1pPr>
+          </a:lstStyle>
+          <a:p>
+            <a:r>
+              <a:rPr lang="en-US" dirty="0"/>
+              <a:t>Best Result - SMOTE data</a:t>
+            </a:r>
+          </a:p>
+        </p:txBody>
+      </p:sp>
+      <p:pic>
+        <p:nvPicPr>
+          <p:cNvPr id="5" name="Content Placeholder 4">
+            <a:extLst>
+              <a:ext uri="{FF2B5EF4-FFF2-40B4-BE49-F238E27FC236}">
+                <a16:creationId xmlns:a16="http://schemas.microsoft.com/office/drawing/2014/main" id="{07AC5A5B-D1BC-1119-A9CE-54C5D000845A}"/>
+              </a:ext>
+            </a:extLst>
+          </p:cNvPr>
+          <p:cNvPicPr>
+            <a:picLocks noChangeAspect="1"/>
+          </p:cNvPicPr>
+          <p:nvPr/>
+        </p:nvPicPr>
+        <p:blipFill>
+          <a:blip r:embed="rId3"/>
+          <a:stretch>
+            <a:fillRect/>
+          </a:stretch>
+        </p:blipFill>
+        <p:spPr>
+          <a:xfrm>
+            <a:off x="490925" y="1470025"/>
+            <a:ext cx="5257800" cy="1089373"/>
+          </a:xfrm>
+          <a:prstGeom prst="rect">
+            <a:avLst/>
+          </a:prstGeom>
+        </p:spPr>
+      </p:pic>
+      <p:sp>
+        <p:nvSpPr>
+          <p:cNvPr id="6" name="TextBox 5">
+            <a:extLst>
+              <a:ext uri="{FF2B5EF4-FFF2-40B4-BE49-F238E27FC236}">
+                <a16:creationId xmlns:a16="http://schemas.microsoft.com/office/drawing/2014/main" id="{D9EE112A-53E6-2AE1-19B8-F4C69E4BB0EA}"/>
+              </a:ext>
+            </a:extLst>
+          </p:cNvPr>
+          <p:cNvSpPr txBox="1"/>
+          <p:nvPr/>
+        </p:nvSpPr>
+        <p:spPr>
+          <a:xfrm>
+            <a:off x="490923" y="1122918"/>
+            <a:ext cx="4676775" cy="369332"/>
+          </a:xfrm>
+          <a:prstGeom prst="rect">
+            <a:avLst/>
+          </a:prstGeom>
+          <a:noFill/>
+        </p:spPr>
+        <p:txBody>
+          <a:bodyPr wrap="square" rtlCol="0">
+            <a:spAutoFit/>
+          </a:bodyPr>
+          <a:lstStyle/>
+          <a:p>
+            <a:r>
+              <a:rPr lang="en-US" dirty="0"/>
+              <a:t>Average performance metrics on 5-fold</a:t>
+            </a:r>
+          </a:p>
+        </p:txBody>
+      </p:sp>
+      <p:sp>
+        <p:nvSpPr>
+          <p:cNvPr id="7" name="TextBox 6">
+            <a:extLst>
+              <a:ext uri="{FF2B5EF4-FFF2-40B4-BE49-F238E27FC236}">
+                <a16:creationId xmlns:a16="http://schemas.microsoft.com/office/drawing/2014/main" id="{0AC2FE34-8CEE-BA74-843E-86C046A318DB}"/>
+              </a:ext>
+            </a:extLst>
+          </p:cNvPr>
+          <p:cNvSpPr txBox="1"/>
+          <p:nvPr/>
+        </p:nvSpPr>
+        <p:spPr>
+          <a:xfrm>
+            <a:off x="433776" y="2721839"/>
+            <a:ext cx="4676775" cy="369332"/>
+          </a:xfrm>
+          <a:prstGeom prst="rect">
+            <a:avLst/>
+          </a:prstGeom>
+          <a:noFill/>
+        </p:spPr>
+        <p:txBody>
+          <a:bodyPr wrap="square" rtlCol="0">
+            <a:spAutoFit/>
+          </a:bodyPr>
+          <a:lstStyle/>
+          <a:p>
+            <a:r>
+              <a:rPr lang="en-US" dirty="0"/>
+              <a:t>Performance metrics on test data</a:t>
+            </a:r>
+          </a:p>
+        </p:txBody>
+      </p:sp>
+      <p:pic>
+        <p:nvPicPr>
+          <p:cNvPr id="8" name="Picture 7">
+            <a:extLst>
+              <a:ext uri="{FF2B5EF4-FFF2-40B4-BE49-F238E27FC236}">
+                <a16:creationId xmlns:a16="http://schemas.microsoft.com/office/drawing/2014/main" id="{3B4EA993-5E5C-B02C-443A-0F23E56F1514}"/>
+              </a:ext>
+            </a:extLst>
+          </p:cNvPr>
+          <p:cNvPicPr>
+            <a:picLocks noChangeAspect="1"/>
+          </p:cNvPicPr>
+          <p:nvPr/>
+        </p:nvPicPr>
+        <p:blipFill>
+          <a:blip r:embed="rId4"/>
+          <a:stretch>
+            <a:fillRect/>
+          </a:stretch>
+        </p:blipFill>
+        <p:spPr>
+          <a:xfrm>
+            <a:off x="490923" y="3091171"/>
+            <a:ext cx="4572000" cy="3638550"/>
+          </a:xfrm>
+          <a:prstGeom prst="rect">
+            <a:avLst/>
+          </a:prstGeom>
+        </p:spPr>
+      </p:pic>
+    </p:spTree>
+    <p:extLst>
+      <p:ext uri="{BB962C8B-B14F-4D97-AF65-F5344CB8AC3E}">
+        <p14:creationId xmlns:p14="http://schemas.microsoft.com/office/powerpoint/2010/main" val="2332370242"/>
+      </p:ext>
+    </p:extLst>
+  </p:cSld>
+  <p:clrMapOvr>
+    <a:masterClrMapping/>
+  </p:clrMapOvr>
+</p:sld>
+</file>
+
+<file path=ppt/slides/slide4.xml><?xml version="1.0" encoding="utf-8"?>
+<p:sld xmlns:a="http://schemas.openxmlformats.org/drawingml/2006/main" xmlns:r="http://schemas.openxmlformats.org/officeDocument/2006/relationships" xmlns:p="http://schemas.openxmlformats.org/presentationml/2006/main">
+  <p:cSld>
+    <p:spTree>
+      <p:nvGrpSpPr>
+        <p:cNvPr id="1" name=""/>
+        <p:cNvGrpSpPr/>
+        <p:nvPr/>
+      </p:nvGrpSpPr>
+      <p:grpSpPr>
+        <a:xfrm>
+          <a:off x="0" y="0"/>
+          <a:ext cx="0" cy="0"/>
+          <a:chOff x="0" y="0"/>
+          <a:chExt cx="0" cy="0"/>
+        </a:xfrm>
+      </p:grpSpPr>
+      <p:sp>
+        <p:nvSpPr>
+          <p:cNvPr id="4" name="Title 3">
+            <a:extLst>
+              <a:ext uri="{FF2B5EF4-FFF2-40B4-BE49-F238E27FC236}">
+                <a16:creationId xmlns:a16="http://schemas.microsoft.com/office/drawing/2014/main" id="{9131B95D-95D5-DE72-CC75-CEB33D7D0802}"/>
+              </a:ext>
+            </a:extLst>
+          </p:cNvPr>
+          <p:cNvSpPr>
+            <a:spLocks noGrp="1"/>
+          </p:cNvSpPr>
+          <p:nvPr>
+            <p:ph type="title"/>
+          </p:nvPr>
+        </p:nvSpPr>
+        <p:spPr/>
+        <p:txBody>
+          <a:bodyPr/>
+          <a:lstStyle/>
+          <a:p>
+            <a:r>
+              <a:rPr lang="en-US" dirty="0"/>
+              <a:t>Appendix</a:t>
+            </a:r>
+          </a:p>
+        </p:txBody>
+      </p:sp>
+      <p:sp>
+        <p:nvSpPr>
+          <p:cNvPr id="5" name="Text Placeholder 4">
+            <a:extLst>
+              <a:ext uri="{FF2B5EF4-FFF2-40B4-BE49-F238E27FC236}">
+                <a16:creationId xmlns:a16="http://schemas.microsoft.com/office/drawing/2014/main" id="{3204D565-F43F-BC7F-1F19-ED1349B73B95}"/>
+              </a:ext>
+            </a:extLst>
+          </p:cNvPr>
+          <p:cNvSpPr>
+            <a:spLocks noGrp="1"/>
+          </p:cNvSpPr>
+          <p:nvPr>
+            <p:ph type="body" idx="1"/>
+          </p:nvPr>
+        </p:nvSpPr>
+        <p:spPr/>
+        <p:txBody>
+          <a:bodyPr/>
+          <a:lstStyle/>
+          <a:p>
+            <a:endParaRPr lang="en-US"/>
+          </a:p>
+        </p:txBody>
+      </p:sp>
+    </p:spTree>
+    <p:extLst>
+      <p:ext uri="{BB962C8B-B14F-4D97-AF65-F5344CB8AC3E}">
+        <p14:creationId xmlns:p14="http://schemas.microsoft.com/office/powerpoint/2010/main" val="3086439940"/>
+      </p:ext>
+    </p:extLst>
+  </p:cSld>
+  <p:clrMapOvr>
+    <a:masterClrMapping/>
+  </p:clrMapOvr>
+</p:sld>
+</file>
+
+<file path=ppt/slides/slide5.xml><?xml version="1.0" encoding="utf-8"?>
+<p:sld xmlns:a="http://schemas.openxmlformats.org/drawingml/2006/main" xmlns:r="http://schemas.openxmlformats.org/officeDocument/2006/relationships" xmlns:p="http://schemas.openxmlformats.org/presentationml/2006/main">
+  <p:cSld>
+    <p:spTree>
+      <p:nvGrpSpPr>
+        <p:cNvPr id="1" name=""/>
+        <p:cNvGrpSpPr/>
+        <p:nvPr/>
+      </p:nvGrpSpPr>
+      <p:grpSpPr>
+        <a:xfrm>
+          <a:off x="0" y="0"/>
+          <a:ext cx="0" cy="0"/>
+          <a:chOff x="0" y="0"/>
+          <a:chExt cx="0" cy="0"/>
+        </a:xfrm>
+      </p:grpSpPr>
+      <p:sp>
+        <p:nvSpPr>
           <p:cNvPr id="2" name="Title 1">
             <a:extLst>
               <a:ext uri="{FF2B5EF4-FFF2-40B4-BE49-F238E27FC236}">
@@ -4370,304 +5725,7 @@
 </p:sld>
 </file>
 
-<file path=ppt/slides/slide3.xml><?xml version="1.0" encoding="utf-8"?>
-<p:sld xmlns:a="http://schemas.openxmlformats.org/drawingml/2006/main" xmlns:r="http://schemas.openxmlformats.org/officeDocument/2006/relationships" xmlns:p="http://schemas.openxmlformats.org/presentationml/2006/main">
-  <p:cSld>
-    <p:spTree>
-      <p:nvGrpSpPr>
-        <p:cNvPr id="1" name=""/>
-        <p:cNvGrpSpPr/>
-        <p:nvPr/>
-      </p:nvGrpSpPr>
-      <p:grpSpPr>
-        <a:xfrm>
-          <a:off x="0" y="0"/>
-          <a:ext cx="0" cy="0"/>
-          <a:chOff x="0" y="0"/>
-          <a:chExt cx="0" cy="0"/>
-        </a:xfrm>
-      </p:grpSpPr>
-      <p:sp>
-        <p:nvSpPr>
-          <p:cNvPr id="4" name="Title 1">
-            <a:extLst>
-              <a:ext uri="{FF2B5EF4-FFF2-40B4-BE49-F238E27FC236}">
-                <a16:creationId xmlns:a16="http://schemas.microsoft.com/office/drawing/2014/main" id="{EC68694A-A86A-40CC-AED0-826F68AD7CC4}"/>
-              </a:ext>
-            </a:extLst>
-          </p:cNvPr>
-          <p:cNvSpPr txBox="1">
-            <a:spLocks/>
-          </p:cNvSpPr>
-          <p:nvPr/>
-        </p:nvSpPr>
-        <p:spPr>
-          <a:xfrm>
-            <a:off x="490924" y="69850"/>
-            <a:ext cx="5932735" cy="1325563"/>
-          </a:xfrm>
-          <a:prstGeom prst="rect">
-            <a:avLst/>
-          </a:prstGeom>
-        </p:spPr>
-        <p:txBody>
-          <a:bodyPr vert="horz" lIns="91440" tIns="45720" rIns="91440" bIns="45720" rtlCol="0" anchor="ctr">
-            <a:normAutofit/>
-          </a:bodyPr>
-          <a:lstStyle>
-            <a:lvl1pPr algn="l" defTabSz="914400" rtl="0" eaLnBrk="1" latinLnBrk="0" hangingPunct="1">
-              <a:lnSpc>
-                <a:spcPct val="90000"/>
-              </a:lnSpc>
-              <a:spcBef>
-                <a:spcPct val="0"/>
-              </a:spcBef>
-              <a:buNone/>
-              <a:defRPr sz="4400" kern="1200">
-                <a:solidFill>
-                  <a:schemeClr val="tx1"/>
-                </a:solidFill>
-                <a:latin typeface="+mj-lt"/>
-                <a:ea typeface="+mj-ea"/>
-                <a:cs typeface="+mj-cs"/>
-              </a:defRPr>
-            </a:lvl1pPr>
-          </a:lstStyle>
-          <a:p>
-            <a:r>
-              <a:rPr lang="en-US" dirty="0"/>
-              <a:t>Best Result - SMOTE data</a:t>
-            </a:r>
-          </a:p>
-        </p:txBody>
-      </p:sp>
-      <p:pic>
-        <p:nvPicPr>
-          <p:cNvPr id="5" name="Content Placeholder 4">
-            <a:extLst>
-              <a:ext uri="{FF2B5EF4-FFF2-40B4-BE49-F238E27FC236}">
-                <a16:creationId xmlns:a16="http://schemas.microsoft.com/office/drawing/2014/main" id="{07AC5A5B-D1BC-1119-A9CE-54C5D000845A}"/>
-              </a:ext>
-            </a:extLst>
-          </p:cNvPr>
-          <p:cNvPicPr>
-            <a:picLocks noChangeAspect="1"/>
-          </p:cNvPicPr>
-          <p:nvPr/>
-        </p:nvPicPr>
-        <p:blipFill>
-          <a:blip r:embed="rId3"/>
-          <a:stretch>
-            <a:fillRect/>
-          </a:stretch>
-        </p:blipFill>
-        <p:spPr>
-          <a:xfrm>
-            <a:off x="490925" y="1470025"/>
-            <a:ext cx="5257800" cy="1089373"/>
-          </a:xfrm>
-          <a:prstGeom prst="rect">
-            <a:avLst/>
-          </a:prstGeom>
-        </p:spPr>
-      </p:pic>
-      <p:sp>
-        <p:nvSpPr>
-          <p:cNvPr id="6" name="TextBox 5">
-            <a:extLst>
-              <a:ext uri="{FF2B5EF4-FFF2-40B4-BE49-F238E27FC236}">
-                <a16:creationId xmlns:a16="http://schemas.microsoft.com/office/drawing/2014/main" id="{D9EE112A-53E6-2AE1-19B8-F4C69E4BB0EA}"/>
-              </a:ext>
-            </a:extLst>
-          </p:cNvPr>
-          <p:cNvSpPr txBox="1"/>
-          <p:nvPr/>
-        </p:nvSpPr>
-        <p:spPr>
-          <a:xfrm>
-            <a:off x="490923" y="1122918"/>
-            <a:ext cx="4676775" cy="369332"/>
-          </a:xfrm>
-          <a:prstGeom prst="rect">
-            <a:avLst/>
-          </a:prstGeom>
-          <a:noFill/>
-        </p:spPr>
-        <p:txBody>
-          <a:bodyPr wrap="square" rtlCol="0">
-            <a:spAutoFit/>
-          </a:bodyPr>
-          <a:lstStyle/>
-          <a:p>
-            <a:r>
-              <a:rPr lang="en-US" dirty="0"/>
-              <a:t>Average performance metrics on 5-fold</a:t>
-            </a:r>
-          </a:p>
-        </p:txBody>
-      </p:sp>
-      <p:sp>
-        <p:nvSpPr>
-          <p:cNvPr id="7" name="TextBox 6">
-            <a:extLst>
-              <a:ext uri="{FF2B5EF4-FFF2-40B4-BE49-F238E27FC236}">
-                <a16:creationId xmlns:a16="http://schemas.microsoft.com/office/drawing/2014/main" id="{0AC2FE34-8CEE-BA74-843E-86C046A318DB}"/>
-              </a:ext>
-            </a:extLst>
-          </p:cNvPr>
-          <p:cNvSpPr txBox="1"/>
-          <p:nvPr/>
-        </p:nvSpPr>
-        <p:spPr>
-          <a:xfrm>
-            <a:off x="433776" y="2721839"/>
-            <a:ext cx="4676775" cy="369332"/>
-          </a:xfrm>
-          <a:prstGeom prst="rect">
-            <a:avLst/>
-          </a:prstGeom>
-          <a:noFill/>
-        </p:spPr>
-        <p:txBody>
-          <a:bodyPr wrap="square" rtlCol="0">
-            <a:spAutoFit/>
-          </a:bodyPr>
-          <a:lstStyle/>
-          <a:p>
-            <a:r>
-              <a:rPr lang="en-US" dirty="0"/>
-              <a:t>Performance metrics on test data</a:t>
-            </a:r>
-          </a:p>
-        </p:txBody>
-      </p:sp>
-      <p:pic>
-        <p:nvPicPr>
-          <p:cNvPr id="8" name="Picture 7">
-            <a:extLst>
-              <a:ext uri="{FF2B5EF4-FFF2-40B4-BE49-F238E27FC236}">
-                <a16:creationId xmlns:a16="http://schemas.microsoft.com/office/drawing/2014/main" id="{3B4EA993-5E5C-B02C-443A-0F23E56F1514}"/>
-              </a:ext>
-            </a:extLst>
-          </p:cNvPr>
-          <p:cNvPicPr>
-            <a:picLocks noChangeAspect="1"/>
-          </p:cNvPicPr>
-          <p:nvPr/>
-        </p:nvPicPr>
-        <p:blipFill>
-          <a:blip r:embed="rId4"/>
-          <a:stretch>
-            <a:fillRect/>
-          </a:stretch>
-        </p:blipFill>
-        <p:spPr>
-          <a:xfrm>
-            <a:off x="490923" y="3091171"/>
-            <a:ext cx="4572000" cy="3638550"/>
-          </a:xfrm>
-          <a:prstGeom prst="rect">
-            <a:avLst/>
-          </a:prstGeom>
-        </p:spPr>
-      </p:pic>
-    </p:spTree>
-    <p:extLst>
-      <p:ext uri="{BB962C8B-B14F-4D97-AF65-F5344CB8AC3E}">
-        <p14:creationId xmlns:p14="http://schemas.microsoft.com/office/powerpoint/2010/main" val="2332370242"/>
-      </p:ext>
-    </p:extLst>
-  </p:cSld>
-  <p:clrMapOvr>
-    <a:masterClrMapping/>
-  </p:clrMapOvr>
-</p:sld>
-</file>
-
-<file path=ppt/slides/slide4.xml><?xml version="1.0" encoding="utf-8"?>
-<p:sld xmlns:a="http://schemas.openxmlformats.org/drawingml/2006/main" xmlns:r="http://schemas.openxmlformats.org/officeDocument/2006/relationships" xmlns:p="http://schemas.openxmlformats.org/presentationml/2006/main">
-  <p:cSld>
-    <p:spTree>
-      <p:nvGrpSpPr>
-        <p:cNvPr id="1" name=""/>
-        <p:cNvGrpSpPr/>
-        <p:nvPr/>
-      </p:nvGrpSpPr>
-      <p:grpSpPr>
-        <a:xfrm>
-          <a:off x="0" y="0"/>
-          <a:ext cx="0" cy="0"/>
-          <a:chOff x="0" y="0"/>
-          <a:chExt cx="0" cy="0"/>
-        </a:xfrm>
-      </p:grpSpPr>
-      <p:sp>
-        <p:nvSpPr>
-          <p:cNvPr id="4" name="Title 3">
-            <a:extLst>
-              <a:ext uri="{FF2B5EF4-FFF2-40B4-BE49-F238E27FC236}">
-                <a16:creationId xmlns:a16="http://schemas.microsoft.com/office/drawing/2014/main" id="{9131B95D-95D5-DE72-CC75-CEB33D7D0802}"/>
-              </a:ext>
-            </a:extLst>
-          </p:cNvPr>
-          <p:cNvSpPr>
-            <a:spLocks noGrp="1"/>
-          </p:cNvSpPr>
-          <p:nvPr>
-            <p:ph type="title"/>
-          </p:nvPr>
-        </p:nvSpPr>
-        <p:spPr/>
-        <p:txBody>
-          <a:bodyPr/>
-          <a:lstStyle/>
-          <a:p>
-            <a:r>
-              <a:rPr lang="en-US" dirty="0"/>
-              <a:t>Appendix</a:t>
-            </a:r>
-          </a:p>
-        </p:txBody>
-      </p:sp>
-      <p:sp>
-        <p:nvSpPr>
-          <p:cNvPr id="5" name="Text Placeholder 4">
-            <a:extLst>
-              <a:ext uri="{FF2B5EF4-FFF2-40B4-BE49-F238E27FC236}">
-                <a16:creationId xmlns:a16="http://schemas.microsoft.com/office/drawing/2014/main" id="{3204D565-F43F-BC7F-1F19-ED1349B73B95}"/>
-              </a:ext>
-            </a:extLst>
-          </p:cNvPr>
-          <p:cNvSpPr>
-            <a:spLocks noGrp="1"/>
-          </p:cNvSpPr>
-          <p:nvPr>
-            <p:ph type="body" idx="1"/>
-          </p:nvPr>
-        </p:nvSpPr>
-        <p:spPr/>
-        <p:txBody>
-          <a:bodyPr/>
-          <a:lstStyle/>
-          <a:p>
-            <a:endParaRPr lang="en-US"/>
-          </a:p>
-        </p:txBody>
-      </p:sp>
-    </p:spTree>
-    <p:extLst>
-      <p:ext uri="{BB962C8B-B14F-4D97-AF65-F5344CB8AC3E}">
-        <p14:creationId xmlns:p14="http://schemas.microsoft.com/office/powerpoint/2010/main" val="3086439940"/>
-      </p:ext>
-    </p:extLst>
-  </p:cSld>
-  <p:clrMapOvr>
-    <a:masterClrMapping/>
-  </p:clrMapOvr>
-</p:sld>
-</file>
-
-<file path=ppt/slides/slide5.xml><?xml version="1.0" encoding="utf-8"?>
+<file path=ppt/slides/slide6.xml><?xml version="1.0" encoding="utf-8"?>
 <p:sld xmlns:a="http://schemas.openxmlformats.org/drawingml/2006/main" xmlns:r="http://schemas.openxmlformats.org/officeDocument/2006/relationships" xmlns:p="http://schemas.openxmlformats.org/presentationml/2006/main">
   <p:cSld>
     <p:spTree>
@@ -5069,7 +6127,7 @@
 </p:sld>
 </file>
 
-<file path=ppt/slides/slide6.xml><?xml version="1.0" encoding="utf-8"?>
+<file path=ppt/slides/slide7.xml><?xml version="1.0" encoding="utf-8"?>
 <p:sld xmlns:a="http://schemas.openxmlformats.org/drawingml/2006/main" xmlns:r="http://schemas.openxmlformats.org/officeDocument/2006/relationships" xmlns:p="http://schemas.openxmlformats.org/presentationml/2006/main">
   <p:cSld>
     <p:spTree>

--- a/SVM/SVM result.pptx
+++ b/SVM/SVM result.pptx
@@ -5198,10 +5198,10 @@
       </p:sp>
       <p:pic>
         <p:nvPicPr>
-          <p:cNvPr id="8" name="Picture 7">
-            <a:extLst>
-              <a:ext uri="{FF2B5EF4-FFF2-40B4-BE49-F238E27FC236}">
-                <a16:creationId xmlns:a16="http://schemas.microsoft.com/office/drawing/2014/main" id="{3B4EA993-5E5C-B02C-443A-0F23E56F1514}"/>
+          <p:cNvPr id="10" name="Picture 9">
+            <a:extLst>
+              <a:ext uri="{FF2B5EF4-FFF2-40B4-BE49-F238E27FC236}">
+                <a16:creationId xmlns:a16="http://schemas.microsoft.com/office/drawing/2014/main" id="{B94D0FBF-91CA-E598-E1E6-FD0A810EF01A}"/>
               </a:ext>
             </a:extLst>
           </p:cNvPr>
@@ -5219,7 +5219,7 @@
         <p:spPr>
           <a:xfrm>
             <a:off x="490923" y="3091171"/>
-            <a:ext cx="4572000" cy="3638550"/>
+            <a:ext cx="4524375" cy="3600450"/>
           </a:xfrm>
           <a:prstGeom prst="rect">
             <a:avLst/>

--- a/SVM/SVM result.pptx
+++ b/SVM/SVM result.pptx
@@ -5118,8 +5118,8 @@
         </p:blipFill>
         <p:spPr>
           <a:xfrm>
-            <a:off x="490925" y="1470025"/>
-            <a:ext cx="5257800" cy="1089373"/>
+            <a:off x="490923" y="1676716"/>
+            <a:ext cx="7147103" cy="1480821"/>
           </a:xfrm>
           <a:prstGeom prst="rect">
             <a:avLst/>
@@ -5140,7 +5140,7 @@
         </p:nvSpPr>
         <p:spPr>
           <a:xfrm>
-            <a:off x="490923" y="1122918"/>
+            <a:off x="490923" y="1279761"/>
             <a:ext cx="4676775" cy="369332"/>
           </a:xfrm>
           <a:prstGeom prst="rect">
@@ -5155,18 +5155,292 @@
           <a:lstStyle/>
           <a:p>
             <a:r>
-              <a:rPr lang="en-US" dirty="0"/>
+              <a:rPr lang="en-US" b="1" dirty="0">
+                <a:solidFill>
+                  <a:schemeClr val="accent1"/>
+                </a:solidFill>
+              </a:rPr>
               <a:t>Average performance metrics on 5-fold</a:t>
             </a:r>
           </a:p>
         </p:txBody>
       </p:sp>
-      <p:sp>
-        <p:nvSpPr>
-          <p:cNvPr id="7" name="TextBox 6">
-            <a:extLst>
-              <a:ext uri="{FF2B5EF4-FFF2-40B4-BE49-F238E27FC236}">
-                <a16:creationId xmlns:a16="http://schemas.microsoft.com/office/drawing/2014/main" id="{0AC2FE34-8CEE-BA74-843E-86C046A318DB}"/>
+      <p:graphicFrame>
+        <p:nvGraphicFramePr>
+          <p:cNvPr id="2" name="Table 2">
+            <a:extLst>
+              <a:ext uri="{FF2B5EF4-FFF2-40B4-BE49-F238E27FC236}">
+                <a16:creationId xmlns:a16="http://schemas.microsoft.com/office/drawing/2014/main" id="{63A4A596-96AD-3579-6437-872AF99B2E42}"/>
+              </a:ext>
+            </a:extLst>
+          </p:cNvPr>
+          <p:cNvGraphicFramePr>
+            <a:graphicFrameLocks noGrp="1"/>
+          </p:cNvGraphicFramePr>
+          <p:nvPr>
+            <p:extLst>
+              <p:ext uri="{D42A27DB-BD31-4B8C-83A1-F6EECF244321}">
+                <p14:modId xmlns:p14="http://schemas.microsoft.com/office/powerpoint/2010/main" val="3264563907"/>
+              </p:ext>
+            </p:extLst>
+          </p:nvPr>
+        </p:nvGraphicFramePr>
+        <p:xfrm>
+          <a:off x="6571617" y="4411664"/>
+          <a:ext cx="5049448" cy="1112520"/>
+        </p:xfrm>
+        <a:graphic>
+          <a:graphicData uri="http://schemas.openxmlformats.org/drawingml/2006/table">
+            <a:tbl>
+              <a:tblPr firstRow="1" bandRow="1">
+                <a:tableStyleId>{5C22544A-7EE6-4342-B048-85BDC9FD1C3A}</a:tableStyleId>
+              </a:tblPr>
+              <a:tblGrid>
+                <a:gridCol w="1262362">
+                  <a:extLst>
+                    <a:ext uri="{9D8B030D-6E8A-4147-A177-3AD203B41FA5}">
+                      <a16:colId xmlns:a16="http://schemas.microsoft.com/office/drawing/2014/main" val="69165248"/>
+                    </a:ext>
+                  </a:extLst>
+                </a:gridCol>
+                <a:gridCol w="1262362">
+                  <a:extLst>
+                    <a:ext uri="{9D8B030D-6E8A-4147-A177-3AD203B41FA5}">
+                      <a16:colId xmlns:a16="http://schemas.microsoft.com/office/drawing/2014/main" val="701884241"/>
+                    </a:ext>
+                  </a:extLst>
+                </a:gridCol>
+                <a:gridCol w="1262362">
+                  <a:extLst>
+                    <a:ext uri="{9D8B030D-6E8A-4147-A177-3AD203B41FA5}">
+                      <a16:colId xmlns:a16="http://schemas.microsoft.com/office/drawing/2014/main" val="1578493202"/>
+                    </a:ext>
+                  </a:extLst>
+                </a:gridCol>
+                <a:gridCol w="1262362">
+                  <a:extLst>
+                    <a:ext uri="{9D8B030D-6E8A-4147-A177-3AD203B41FA5}">
+                      <a16:colId xmlns:a16="http://schemas.microsoft.com/office/drawing/2014/main" val="2847688674"/>
+                    </a:ext>
+                  </a:extLst>
+                </a:gridCol>
+              </a:tblGrid>
+              <a:tr h="370840">
+                <a:tc>
+                  <a:txBody>
+                    <a:bodyPr/>
+                    <a:lstStyle/>
+                    <a:p>
+                      <a:endParaRPr lang="en-US" dirty="0"/>
+                    </a:p>
+                  </a:txBody>
+                  <a:tcPr/>
+                </a:tc>
+                <a:tc>
+                  <a:txBody>
+                    <a:bodyPr/>
+                    <a:lstStyle/>
+                    <a:p>
+                      <a:pPr algn="ctr"/>
+                      <a:r>
+                        <a:rPr lang="en-US" dirty="0"/>
+                        <a:t>Class &lt;30</a:t>
+                      </a:r>
+                    </a:p>
+                  </a:txBody>
+                  <a:tcPr/>
+                </a:tc>
+                <a:tc>
+                  <a:txBody>
+                    <a:bodyPr/>
+                    <a:lstStyle/>
+                    <a:p>
+                      <a:pPr algn="ctr"/>
+                      <a:r>
+                        <a:rPr lang="en-US" dirty="0"/>
+                        <a:t>Class &gt;30</a:t>
+                      </a:r>
+                    </a:p>
+                  </a:txBody>
+                  <a:tcPr/>
+                </a:tc>
+                <a:tc>
+                  <a:txBody>
+                    <a:bodyPr/>
+                    <a:lstStyle/>
+                    <a:p>
+                      <a:pPr algn="ctr"/>
+                      <a:r>
+                        <a:rPr lang="en-US" dirty="0"/>
+                        <a:t>Class No</a:t>
+                      </a:r>
+                    </a:p>
+                  </a:txBody>
+                  <a:tcPr/>
+                </a:tc>
+                <a:extLst>
+                  <a:ext uri="{0D108BD9-81ED-4DB2-BD59-A6C34878D82A}">
+                    <a16:rowId xmlns:a16="http://schemas.microsoft.com/office/drawing/2014/main" val="678772968"/>
+                  </a:ext>
+                </a:extLst>
+              </a:tr>
+              <a:tr h="370840">
+                <a:tc>
+                  <a:txBody>
+                    <a:bodyPr/>
+                    <a:lstStyle/>
+                    <a:p>
+                      <a:r>
+                        <a:rPr lang="en-US" dirty="0"/>
+                        <a:t>Sensitivity</a:t>
+                      </a:r>
+                    </a:p>
+                  </a:txBody>
+                  <a:tcPr/>
+                </a:tc>
+                <a:tc>
+                  <a:txBody>
+                    <a:bodyPr/>
+                    <a:lstStyle/>
+                    <a:p>
+                      <a:r>
+                        <a:rPr lang="en-US" dirty="0"/>
+                        <a:t>0.47593</a:t>
+                      </a:r>
+                    </a:p>
+                  </a:txBody>
+                  <a:tcPr/>
+                </a:tc>
+                <a:tc>
+                  <a:txBody>
+                    <a:bodyPr/>
+                    <a:lstStyle/>
+                    <a:p>
+                      <a:r>
+                        <a:rPr lang="en-US" dirty="0"/>
+                        <a:t>0.4716</a:t>
+                      </a:r>
+                    </a:p>
+                  </a:txBody>
+                  <a:tcPr/>
+                </a:tc>
+                <a:tc>
+                  <a:txBody>
+                    <a:bodyPr/>
+                    <a:lstStyle/>
+                    <a:p>
+                      <a:r>
+                        <a:rPr lang="en-US" dirty="0"/>
+                        <a:t>0.4340</a:t>
+                      </a:r>
+                    </a:p>
+                  </a:txBody>
+                  <a:tcPr/>
+                </a:tc>
+                <a:extLst>
+                  <a:ext uri="{0D108BD9-81ED-4DB2-BD59-A6C34878D82A}">
+                    <a16:rowId xmlns:a16="http://schemas.microsoft.com/office/drawing/2014/main" val="535372995"/>
+                  </a:ext>
+                </a:extLst>
+              </a:tr>
+              <a:tr h="370840">
+                <a:tc>
+                  <a:txBody>
+                    <a:bodyPr/>
+                    <a:lstStyle/>
+                    <a:p>
+                      <a:r>
+                        <a:rPr lang="en-US" dirty="0"/>
+                        <a:t>Specificity</a:t>
+                      </a:r>
+                    </a:p>
+                  </a:txBody>
+                  <a:tcPr/>
+                </a:tc>
+                <a:tc>
+                  <a:txBody>
+                    <a:bodyPr/>
+                    <a:lstStyle/>
+                    <a:p>
+                      <a:r>
+                        <a:rPr lang="en-US" dirty="0"/>
+                        <a:t>0.74247</a:t>
+                      </a:r>
+                    </a:p>
+                  </a:txBody>
+                  <a:tcPr/>
+                </a:tc>
+                <a:tc>
+                  <a:txBody>
+                    <a:bodyPr/>
+                    <a:lstStyle/>
+                    <a:p>
+                      <a:r>
+                        <a:rPr lang="en-US" dirty="0"/>
+                        <a:t>0.6800</a:t>
+                      </a:r>
+                    </a:p>
+                  </a:txBody>
+                  <a:tcPr/>
+                </a:tc>
+                <a:tc>
+                  <a:txBody>
+                    <a:bodyPr/>
+                    <a:lstStyle/>
+                    <a:p>
+                      <a:r>
+                        <a:rPr lang="en-US" dirty="0"/>
+                        <a:t>0.7585</a:t>
+                      </a:r>
+                    </a:p>
+                  </a:txBody>
+                  <a:tcPr/>
+                </a:tc>
+                <a:extLst>
+                  <a:ext uri="{0D108BD9-81ED-4DB2-BD59-A6C34878D82A}">
+                    <a16:rowId xmlns:a16="http://schemas.microsoft.com/office/drawing/2014/main" val="658374476"/>
+                  </a:ext>
+                </a:extLst>
+              </a:tr>
+            </a:tbl>
+          </a:graphicData>
+        </a:graphic>
+      </p:graphicFrame>
+      <p:pic>
+        <p:nvPicPr>
+          <p:cNvPr id="11" name="Picture 10">
+            <a:extLst>
+              <a:ext uri="{FF2B5EF4-FFF2-40B4-BE49-F238E27FC236}">
+                <a16:creationId xmlns:a16="http://schemas.microsoft.com/office/drawing/2014/main" id="{75FEA200-565A-7ACC-2961-7A2B4DC28AFE}"/>
+              </a:ext>
+            </a:extLst>
+          </p:cNvPr>
+          <p:cNvPicPr>
+            <a:picLocks noChangeAspect="1"/>
+          </p:cNvPicPr>
+          <p:nvPr/>
+        </p:nvPicPr>
+        <p:blipFill rotWithShape="1">
+          <a:blip r:embed="rId4"/>
+          <a:srcRect l="452"/>
+          <a:stretch/>
+        </p:blipFill>
+        <p:spPr>
+          <a:xfrm>
+            <a:off x="677615" y="4012883"/>
+            <a:ext cx="5418386" cy="1661643"/>
+          </a:xfrm>
+          <a:prstGeom prst="rect">
+            <a:avLst/>
+          </a:prstGeom>
+        </p:spPr>
+      </p:pic>
+      <p:sp>
+        <p:nvSpPr>
+          <p:cNvPr id="16" name="TextBox 15">
+            <a:extLst>
+              <a:ext uri="{FF2B5EF4-FFF2-40B4-BE49-F238E27FC236}">
+                <a16:creationId xmlns:a16="http://schemas.microsoft.com/office/drawing/2014/main" id="{64803E5D-441B-4F88-9628-E35050EC7CA6}"/>
               </a:ext>
             </a:extLst>
           </p:cNvPr>
@@ -5175,7 +5449,47 @@
         </p:nvSpPr>
         <p:spPr>
           <a:xfrm>
-            <a:off x="433776" y="2721839"/>
+            <a:off x="4543424" y="5830887"/>
+            <a:ext cx="3760470" cy="369332"/>
+          </a:xfrm>
+          <a:prstGeom prst="rect">
+            <a:avLst/>
+          </a:prstGeom>
+          <a:noFill/>
+        </p:spPr>
+        <p:txBody>
+          <a:bodyPr wrap="square" rtlCol="0">
+            <a:spAutoFit/>
+          </a:bodyPr>
+          <a:lstStyle/>
+          <a:p>
+            <a:r>
+              <a:rPr lang="en-US" b="1" dirty="0">
+                <a:solidFill>
+                  <a:schemeClr val="accent1"/>
+                </a:solidFill>
+                <a:latin typeface="Abadi" panose="020B0604020104020204" pitchFamily="34" charset="0"/>
+              </a:rPr>
+              <a:t>Training time: 2hours 22mins 24s</a:t>
+            </a:r>
+          </a:p>
+        </p:txBody>
+      </p:sp>
+      <p:sp>
+        <p:nvSpPr>
+          <p:cNvPr id="17" name="TextBox 16">
+            <a:extLst>
+              <a:ext uri="{FF2B5EF4-FFF2-40B4-BE49-F238E27FC236}">
+                <a16:creationId xmlns:a16="http://schemas.microsoft.com/office/drawing/2014/main" id="{85C96482-3C16-F787-073B-B26E7952AB07}"/>
+              </a:ext>
+            </a:extLst>
+          </p:cNvPr>
+          <p:cNvSpPr txBox="1"/>
+          <p:nvPr/>
+        </p:nvSpPr>
+        <p:spPr>
+          <a:xfrm>
+            <a:off x="490922" y="3428484"/>
             <a:ext cx="4676775" cy="369332"/>
           </a:xfrm>
           <a:prstGeom prst="rect">
@@ -5190,42 +5504,16 @@
           <a:lstStyle/>
           <a:p>
             <a:r>
-              <a:rPr lang="en-US" dirty="0"/>
-              <a:t>Performance metrics on test data</a:t>
-            </a:r>
-          </a:p>
-        </p:txBody>
-      </p:sp>
-      <p:pic>
-        <p:nvPicPr>
-          <p:cNvPr id="10" name="Picture 9">
-            <a:extLst>
-              <a:ext uri="{FF2B5EF4-FFF2-40B4-BE49-F238E27FC236}">
-                <a16:creationId xmlns:a16="http://schemas.microsoft.com/office/drawing/2014/main" id="{B94D0FBF-91CA-E598-E1E6-FD0A810EF01A}"/>
-              </a:ext>
-            </a:extLst>
-          </p:cNvPr>
-          <p:cNvPicPr>
-            <a:picLocks noChangeAspect="1"/>
-          </p:cNvPicPr>
-          <p:nvPr/>
-        </p:nvPicPr>
-        <p:blipFill>
-          <a:blip r:embed="rId4"/>
-          <a:stretch>
-            <a:fillRect/>
-          </a:stretch>
-        </p:blipFill>
-        <p:spPr>
-          <a:xfrm>
-            <a:off x="490923" y="3091171"/>
-            <a:ext cx="4524375" cy="3600450"/>
-          </a:xfrm>
-          <a:prstGeom prst="rect">
-            <a:avLst/>
-          </a:prstGeom>
-        </p:spPr>
-      </p:pic>
+              <a:rPr lang="en-US" b="1" dirty="0">
+                <a:solidFill>
+                  <a:schemeClr val="accent1"/>
+                </a:solidFill>
+              </a:rPr>
+              <a:t>Average performance metrics on Test data</a:t>
+            </a:r>
+          </a:p>
+        </p:txBody>
+      </p:sp>
     </p:spTree>
     <p:extLst>
       <p:ext uri="{BB962C8B-B14F-4D97-AF65-F5344CB8AC3E}">
@@ -6086,10 +6374,10 @@
       </p:sp>
       <p:pic>
         <p:nvPicPr>
-          <p:cNvPr id="6" name="Picture 5">
-            <a:extLst>
-              <a:ext uri="{FF2B5EF4-FFF2-40B4-BE49-F238E27FC236}">
-                <a16:creationId xmlns:a16="http://schemas.microsoft.com/office/drawing/2014/main" id="{0646B8D5-4B71-6B2E-96E0-B07EA7270C50}"/>
+          <p:cNvPr id="13" name="Picture 12">
+            <a:extLst>
+              <a:ext uri="{FF2B5EF4-FFF2-40B4-BE49-F238E27FC236}">
+                <a16:creationId xmlns:a16="http://schemas.microsoft.com/office/drawing/2014/main" id="{FA97D0BB-8420-936F-D0EB-4E9C652239E1}"/>
               </a:ext>
             </a:extLst>
           </p:cNvPr>
@@ -6106,8 +6394,8 @@
         </p:blipFill>
         <p:spPr>
           <a:xfrm>
-            <a:off x="6571683" y="3091171"/>
-            <a:ext cx="4572000" cy="3638550"/>
+            <a:off x="6571683" y="3041071"/>
+            <a:ext cx="4524375" cy="3600450"/>
           </a:xfrm>
           <a:prstGeom prst="rect">
             <a:avLst/>

--- a/SVM/SVM result.pptx
+++ b/SVM/SVM result.pptx
@@ -4086,7 +4086,7 @@
         </p:nvSpPr>
         <p:spPr>
           <a:xfrm>
-            <a:off x="904271" y="249811"/>
+            <a:off x="904271" y="112651"/>
             <a:ext cx="4235327" cy="461665"/>
           </a:xfrm>
           <a:prstGeom prst="rect">

--- a/SVM/SVM result.pptx
+++ b/SVM/SVM result.pptx
@@ -203,7 +203,7 @@
           <a:p>
             <a:fld id="{75925159-9BE7-41FD-BD55-FD2BF94EE08D}" type="datetimeFigureOut">
               <a:rPr lang="en-US" smtClean="0"/>
-              <a:t>17-May-22</a:t>
+              <a:t>21-May-22</a:t>
             </a:fld>
             <a:endParaRPr lang="en-US"/>
           </a:p>
@@ -922,7 +922,7 @@
           <a:p>
             <a:fld id="{B4D583F2-624A-4019-AD7B-8C723B971063}" type="datetimeFigureOut">
               <a:rPr lang="en-US" smtClean="0"/>
-              <a:t>17-May-22</a:t>
+              <a:t>21-May-22</a:t>
             </a:fld>
             <a:endParaRPr lang="en-US"/>
           </a:p>
@@ -1120,7 +1120,7 @@
           <a:p>
             <a:fld id="{B4D583F2-624A-4019-AD7B-8C723B971063}" type="datetimeFigureOut">
               <a:rPr lang="en-US" smtClean="0"/>
-              <a:t>17-May-22</a:t>
+              <a:t>21-May-22</a:t>
             </a:fld>
             <a:endParaRPr lang="en-US"/>
           </a:p>
@@ -1328,7 +1328,7 @@
           <a:p>
             <a:fld id="{B4D583F2-624A-4019-AD7B-8C723B971063}" type="datetimeFigureOut">
               <a:rPr lang="en-US" smtClean="0"/>
-              <a:t>17-May-22</a:t>
+              <a:t>21-May-22</a:t>
             </a:fld>
             <a:endParaRPr lang="en-US"/>
           </a:p>
@@ -1526,7 +1526,7 @@
           <a:p>
             <a:fld id="{B4D583F2-624A-4019-AD7B-8C723B971063}" type="datetimeFigureOut">
               <a:rPr lang="en-US" smtClean="0"/>
-              <a:t>17-May-22</a:t>
+              <a:t>21-May-22</a:t>
             </a:fld>
             <a:endParaRPr lang="en-US"/>
           </a:p>
@@ -1801,7 +1801,7 @@
           <a:p>
             <a:fld id="{B4D583F2-624A-4019-AD7B-8C723B971063}" type="datetimeFigureOut">
               <a:rPr lang="en-US" smtClean="0"/>
-              <a:t>17-May-22</a:t>
+              <a:t>21-May-22</a:t>
             </a:fld>
             <a:endParaRPr lang="en-US"/>
           </a:p>
@@ -2066,7 +2066,7 @@
           <a:p>
             <a:fld id="{B4D583F2-624A-4019-AD7B-8C723B971063}" type="datetimeFigureOut">
               <a:rPr lang="en-US" smtClean="0"/>
-              <a:t>17-May-22</a:t>
+              <a:t>21-May-22</a:t>
             </a:fld>
             <a:endParaRPr lang="en-US"/>
           </a:p>
@@ -2478,7 +2478,7 @@
           <a:p>
             <a:fld id="{B4D583F2-624A-4019-AD7B-8C723B971063}" type="datetimeFigureOut">
               <a:rPr lang="en-US" smtClean="0"/>
-              <a:t>17-May-22</a:t>
+              <a:t>21-May-22</a:t>
             </a:fld>
             <a:endParaRPr lang="en-US"/>
           </a:p>
@@ -2619,7 +2619,7 @@
           <a:p>
             <a:fld id="{B4D583F2-624A-4019-AD7B-8C723B971063}" type="datetimeFigureOut">
               <a:rPr lang="en-US" smtClean="0"/>
-              <a:t>17-May-22</a:t>
+              <a:t>21-May-22</a:t>
             </a:fld>
             <a:endParaRPr lang="en-US"/>
           </a:p>
@@ -2732,7 +2732,7 @@
           <a:p>
             <a:fld id="{B4D583F2-624A-4019-AD7B-8C723B971063}" type="datetimeFigureOut">
               <a:rPr lang="en-US" smtClean="0"/>
-              <a:t>17-May-22</a:t>
+              <a:t>21-May-22</a:t>
             </a:fld>
             <a:endParaRPr lang="en-US"/>
           </a:p>
@@ -3043,7 +3043,7 @@
           <a:p>
             <a:fld id="{B4D583F2-624A-4019-AD7B-8C723B971063}" type="datetimeFigureOut">
               <a:rPr lang="en-US" smtClean="0"/>
-              <a:t>17-May-22</a:t>
+              <a:t>21-May-22</a:t>
             </a:fld>
             <a:endParaRPr lang="en-US"/>
           </a:p>
@@ -3331,7 +3331,7 @@
           <a:p>
             <a:fld id="{B4D583F2-624A-4019-AD7B-8C723B971063}" type="datetimeFigureOut">
               <a:rPr lang="en-US" smtClean="0"/>
-              <a:t>17-May-22</a:t>
+              <a:t>21-May-22</a:t>
             </a:fld>
             <a:endParaRPr lang="en-US"/>
           </a:p>
@@ -3572,7 +3572,7 @@
           <a:p>
             <a:fld id="{B4D583F2-624A-4019-AD7B-8C723B971063}" type="datetimeFigureOut">
               <a:rPr lang="en-US" smtClean="0"/>
-              <a:t>17-May-22</a:t>
+              <a:t>21-May-22</a:t>
             </a:fld>
             <a:endParaRPr lang="en-US"/>
           </a:p>
